--- a/presentation/JavaTraining_presentation_aruga.pptx
+++ b/presentation/JavaTraining_presentation_aruga.pptx
@@ -119,7 +119,7 @@
   </p:defaultTextStyle>
   <p:extLst>
     <p:ext uri="{EFAFB233-063F-42B5-8137-9DF3F51BA10A}">
-      <p15:sldGuideLst xmlns:p15="http://schemas.microsoft.com/office/powerpoint/2012/main"/>
+      <p15:sldGuideLst xmlns:p15="http://schemas.microsoft.com/office/powerpoint/2012/main" xmlns=""/>
     </p:ext>
   </p:extLst>
 </p:presentation>
@@ -207,7 +207,8 @@
           <a:p>
             <a:fld id="{4ADC82C6-A625-4D13-8624-E4B09208B0EE}" type="datetimeFigureOut">
               <a:rPr kumimoji="1" lang="ja-JP" altLang="en-US" smtClean="0"/>
-              <a:t>2017/9/6</a:t>
+              <a:pPr/>
+              <a:t>2017/9/7</a:t>
             </a:fld>
             <a:endParaRPr kumimoji="1" lang="ja-JP" altLang="en-US"/>
           </a:p>
@@ -398,7 +399,8 @@
           <a:p>
             <a:fld id="{406BB1FA-27AD-472B-8891-F87C6F2C91B6}" type="slidenum">
               <a:rPr kumimoji="1" lang="ja-JP" altLang="en-US" smtClean="0"/>
-              <a:t>‹#›</a:t>
+              <a:pPr/>
+              <a:t>&lt;#&gt;</a:t>
             </a:fld>
             <a:endParaRPr kumimoji="1" lang="ja-JP" altLang="en-US"/>
           </a:p>
@@ -407,7 +409,7 @@
     </p:spTree>
     <p:extLst>
       <p:ext uri="{BB962C8B-B14F-4D97-AF65-F5344CB8AC3E}">
-        <p14:creationId xmlns:p14="http://schemas.microsoft.com/office/powerpoint/2010/main" val="2373185794"/>
+        <p14:creationId xmlns:p14="http://schemas.microsoft.com/office/powerpoint/2010/main" xmlns="" val="2373185794"/>
       </p:ext>
     </p:extLst>
   </p:cSld>
@@ -572,6 +574,7 @@
           <a:p>
             <a:fld id="{406BB1FA-27AD-472B-8891-F87C6F2C91B6}" type="slidenum">
               <a:rPr kumimoji="1" lang="ja-JP" altLang="en-US" smtClean="0"/>
+              <a:pPr/>
               <a:t>1</a:t>
             </a:fld>
             <a:endParaRPr kumimoji="1" lang="ja-JP" altLang="en-US"/>
@@ -581,7 +584,7 @@
     </p:spTree>
     <p:extLst>
       <p:ext uri="{BB962C8B-B14F-4D97-AF65-F5344CB8AC3E}">
-        <p14:creationId xmlns:p14="http://schemas.microsoft.com/office/powerpoint/2010/main" val="1244267099"/>
+        <p14:creationId xmlns:p14="http://schemas.microsoft.com/office/powerpoint/2010/main" xmlns="" val="1244267099"/>
       </p:ext>
     </p:extLst>
   </p:cSld>
@@ -656,6 +659,7 @@
           <a:p>
             <a:fld id="{406BB1FA-27AD-472B-8891-F87C6F2C91B6}" type="slidenum">
               <a:rPr kumimoji="1" lang="ja-JP" altLang="en-US" smtClean="0"/>
+              <a:pPr/>
               <a:t>2</a:t>
             </a:fld>
             <a:endParaRPr kumimoji="1" lang="ja-JP" altLang="en-US"/>
@@ -665,7 +669,7 @@
     </p:spTree>
     <p:extLst>
       <p:ext uri="{BB962C8B-B14F-4D97-AF65-F5344CB8AC3E}">
-        <p14:creationId xmlns:p14="http://schemas.microsoft.com/office/powerpoint/2010/main" val="655466927"/>
+        <p14:creationId xmlns:p14="http://schemas.microsoft.com/office/powerpoint/2010/main" xmlns="" val="655466927"/>
       </p:ext>
     </p:extLst>
   </p:cSld>
@@ -740,6 +744,7 @@
           <a:p>
             <a:fld id="{406BB1FA-27AD-472B-8891-F87C6F2C91B6}" type="slidenum">
               <a:rPr kumimoji="1" lang="ja-JP" altLang="en-US" smtClean="0"/>
+              <a:pPr/>
               <a:t>3</a:t>
             </a:fld>
             <a:endParaRPr kumimoji="1" lang="ja-JP" altLang="en-US"/>
@@ -749,7 +754,7 @@
     </p:spTree>
     <p:extLst>
       <p:ext uri="{BB962C8B-B14F-4D97-AF65-F5344CB8AC3E}">
-        <p14:creationId xmlns:p14="http://schemas.microsoft.com/office/powerpoint/2010/main" val="411556883"/>
+        <p14:creationId xmlns:p14="http://schemas.microsoft.com/office/powerpoint/2010/main" xmlns="" val="411556883"/>
       </p:ext>
     </p:extLst>
   </p:cSld>
@@ -824,6 +829,7 @@
           <a:p>
             <a:fld id="{406BB1FA-27AD-472B-8891-F87C6F2C91B6}" type="slidenum">
               <a:rPr kumimoji="1" lang="ja-JP" altLang="en-US" smtClean="0"/>
+              <a:pPr/>
               <a:t>4</a:t>
             </a:fld>
             <a:endParaRPr kumimoji="1" lang="ja-JP" altLang="en-US"/>
@@ -833,7 +839,7 @@
     </p:spTree>
     <p:extLst>
       <p:ext uri="{BB962C8B-B14F-4D97-AF65-F5344CB8AC3E}">
-        <p14:creationId xmlns:p14="http://schemas.microsoft.com/office/powerpoint/2010/main" val="2631228386"/>
+        <p14:creationId xmlns:p14="http://schemas.microsoft.com/office/powerpoint/2010/main" xmlns="" val="2631228386"/>
       </p:ext>
     </p:extLst>
   </p:cSld>
@@ -908,6 +914,7 @@
           <a:p>
             <a:fld id="{406BB1FA-27AD-472B-8891-F87C6F2C91B6}" type="slidenum">
               <a:rPr kumimoji="1" lang="ja-JP" altLang="en-US" smtClean="0"/>
+              <a:pPr/>
               <a:t>5</a:t>
             </a:fld>
             <a:endParaRPr kumimoji="1" lang="ja-JP" altLang="en-US"/>
@@ -917,7 +924,7 @@
     </p:spTree>
     <p:extLst>
       <p:ext uri="{BB962C8B-B14F-4D97-AF65-F5344CB8AC3E}">
-        <p14:creationId xmlns:p14="http://schemas.microsoft.com/office/powerpoint/2010/main" val="2509135753"/>
+        <p14:creationId xmlns:p14="http://schemas.microsoft.com/office/powerpoint/2010/main" xmlns="" val="2509135753"/>
       </p:ext>
     </p:extLst>
   </p:cSld>
@@ -992,6 +999,7 @@
           <a:p>
             <a:fld id="{406BB1FA-27AD-472B-8891-F87C6F2C91B6}" type="slidenum">
               <a:rPr kumimoji="1" lang="ja-JP" altLang="en-US" smtClean="0"/>
+              <a:pPr/>
               <a:t>6</a:t>
             </a:fld>
             <a:endParaRPr kumimoji="1" lang="ja-JP" altLang="en-US"/>
@@ -1001,7 +1009,7 @@
     </p:spTree>
     <p:extLst>
       <p:ext uri="{BB962C8B-B14F-4D97-AF65-F5344CB8AC3E}">
-        <p14:creationId xmlns:p14="http://schemas.microsoft.com/office/powerpoint/2010/main" val="1745050662"/>
+        <p14:creationId xmlns:p14="http://schemas.microsoft.com/office/powerpoint/2010/main" xmlns="" val="1745050662"/>
       </p:ext>
     </p:extLst>
   </p:cSld>
@@ -1076,6 +1084,7 @@
           <a:p>
             <a:fld id="{406BB1FA-27AD-472B-8891-F87C6F2C91B6}" type="slidenum">
               <a:rPr kumimoji="1" lang="ja-JP" altLang="en-US" smtClean="0"/>
+              <a:pPr/>
               <a:t>7</a:t>
             </a:fld>
             <a:endParaRPr kumimoji="1" lang="ja-JP" altLang="en-US"/>
@@ -1085,7 +1094,7 @@
     </p:spTree>
     <p:extLst>
       <p:ext uri="{BB962C8B-B14F-4D97-AF65-F5344CB8AC3E}">
-        <p14:creationId xmlns:p14="http://schemas.microsoft.com/office/powerpoint/2010/main" val="3125712776"/>
+        <p14:creationId xmlns:p14="http://schemas.microsoft.com/office/powerpoint/2010/main" xmlns="" val="3125712776"/>
       </p:ext>
     </p:extLst>
   </p:cSld>
@@ -1160,6 +1169,7 @@
           <a:p>
             <a:fld id="{406BB1FA-27AD-472B-8891-F87C6F2C91B6}" type="slidenum">
               <a:rPr kumimoji="1" lang="ja-JP" altLang="en-US" smtClean="0"/>
+              <a:pPr/>
               <a:t>8</a:t>
             </a:fld>
             <a:endParaRPr kumimoji="1" lang="ja-JP" altLang="en-US"/>
@@ -1169,7 +1179,7 @@
     </p:spTree>
     <p:extLst>
       <p:ext uri="{BB962C8B-B14F-4D97-AF65-F5344CB8AC3E}">
-        <p14:creationId xmlns:p14="http://schemas.microsoft.com/office/powerpoint/2010/main" val="663421223"/>
+        <p14:creationId xmlns:p14="http://schemas.microsoft.com/office/powerpoint/2010/main" xmlns="" val="663421223"/>
       </p:ext>
     </p:extLst>
   </p:cSld>
@@ -1330,7 +1340,8 @@
           <a:p>
             <a:fld id="{FFFE18C7-9DD7-46CE-A3B6-C1C676CC0A74}" type="datetime1">
               <a:rPr lang="ja-JP" altLang="en-US" smtClean="0"/>
-              <a:t>2017/9/6</a:t>
+              <a:pPr/>
+              <a:t>2017/9/7</a:t>
             </a:fld>
             <a:endParaRPr lang="en-US" dirty="0"/>
           </a:p>
@@ -1393,7 +1404,7 @@
             <a:fld id="{7AFEEF8D-E39D-4577-A10D-FE257D70D681}" type="slidenum">
               <a:rPr lang="en-US" smtClean="0"/>
               <a:pPr/>
-              <a:t>‹#›</a:t>
+              <a:t>&lt;#&gt;</a:t>
             </a:fld>
             <a:endParaRPr lang="en-US"/>
           </a:p>
@@ -1402,7 +1413,7 @@
     </p:spTree>
     <p:extLst>
       <p:ext uri="{BB962C8B-B14F-4D97-AF65-F5344CB8AC3E}">
-        <p14:creationId xmlns:p14="http://schemas.microsoft.com/office/powerpoint/2010/main" val="3586288849"/>
+        <p14:creationId xmlns:p14="http://schemas.microsoft.com/office/powerpoint/2010/main" xmlns="" val="3586288849"/>
       </p:ext>
     </p:extLst>
   </p:cSld>
@@ -1560,7 +1571,8 @@
           <a:p>
             <a:fld id="{6E3C9ABB-9C52-4C0F-9EEB-2243E325C3FE}" type="datetime1">
               <a:rPr lang="ja-JP" altLang="en-US" smtClean="0"/>
-              <a:t>2017/9/6</a:t>
+              <a:pPr/>
+              <a:t>2017/9/7</a:t>
             </a:fld>
             <a:endParaRPr lang="en-US"/>
           </a:p>
@@ -1606,7 +1618,8 @@
           <a:p>
             <a:fld id="{7AFEEF8D-E39D-4577-A10D-FE257D70D681}" type="slidenum">
               <a:rPr lang="en-US" smtClean="0"/>
-              <a:t>‹#›</a:t>
+              <a:pPr/>
+              <a:t>&lt;#&gt;</a:t>
             </a:fld>
             <a:endParaRPr lang="en-US"/>
           </a:p>
@@ -1615,7 +1628,7 @@
     </p:spTree>
     <p:extLst>
       <p:ext uri="{BB962C8B-B14F-4D97-AF65-F5344CB8AC3E}">
-        <p14:creationId xmlns:p14="http://schemas.microsoft.com/office/powerpoint/2010/main" val="4089262081"/>
+        <p14:creationId xmlns:p14="http://schemas.microsoft.com/office/powerpoint/2010/main" xmlns="" val="4089262081"/>
       </p:ext>
     </p:extLst>
   </p:cSld>
@@ -1776,7 +1789,8 @@
           <a:p>
             <a:fld id="{88028D64-C6AE-4676-BBE2-49BB8A8BEB46}" type="datetime1">
               <a:rPr lang="ja-JP" altLang="en-US" smtClean="0"/>
-              <a:t>2017/9/6</a:t>
+              <a:pPr/>
+              <a:t>2017/9/7</a:t>
             </a:fld>
             <a:endParaRPr lang="en-US"/>
           </a:p>
@@ -1822,7 +1836,8 @@
           <a:p>
             <a:fld id="{7AFEEF8D-E39D-4577-A10D-FE257D70D681}" type="slidenum">
               <a:rPr lang="en-US" smtClean="0"/>
-              <a:t>‹#›</a:t>
+              <a:pPr/>
+              <a:t>&lt;#&gt;</a:t>
             </a:fld>
             <a:endParaRPr lang="en-US"/>
           </a:p>
@@ -1831,7 +1846,7 @@
     </p:spTree>
     <p:extLst>
       <p:ext uri="{BB962C8B-B14F-4D97-AF65-F5344CB8AC3E}">
-        <p14:creationId xmlns:p14="http://schemas.microsoft.com/office/powerpoint/2010/main" val="3225476951"/>
+        <p14:creationId xmlns:p14="http://schemas.microsoft.com/office/powerpoint/2010/main" xmlns="" val="3225476951"/>
       </p:ext>
     </p:extLst>
   </p:cSld>
@@ -1982,7 +1997,8 @@
           <a:p>
             <a:fld id="{5654FD01-E578-4274-ABC6-0DB7C4BD8913}" type="datetime1">
               <a:rPr lang="ja-JP" altLang="en-US" smtClean="0"/>
-              <a:t>2017/9/6</a:t>
+              <a:pPr/>
+              <a:t>2017/9/7</a:t>
             </a:fld>
             <a:endParaRPr lang="en-US"/>
           </a:p>
@@ -2028,7 +2044,8 @@
           <a:p>
             <a:fld id="{7AFEEF8D-E39D-4577-A10D-FE257D70D681}" type="slidenum">
               <a:rPr lang="en-US" smtClean="0"/>
-              <a:t>‹#›</a:t>
+              <a:pPr/>
+              <a:t>&lt;#&gt;</a:t>
             </a:fld>
             <a:endParaRPr lang="en-US"/>
           </a:p>
@@ -2037,7 +2054,7 @@
     </p:spTree>
     <p:extLst>
       <p:ext uri="{BB962C8B-B14F-4D97-AF65-F5344CB8AC3E}">
-        <p14:creationId xmlns:p14="http://schemas.microsoft.com/office/powerpoint/2010/main" val="446744613"/>
+        <p14:creationId xmlns:p14="http://schemas.microsoft.com/office/powerpoint/2010/main" xmlns="" val="446744613"/>
       </p:ext>
     </p:extLst>
   </p:cSld>
@@ -2239,7 +2256,8 @@
           <a:p>
             <a:fld id="{619F21FA-3CB0-433D-9BC1-7248174EE5C5}" type="datetime1">
               <a:rPr lang="ja-JP" altLang="en-US" smtClean="0"/>
-              <a:t>2017/9/6</a:t>
+              <a:pPr/>
+              <a:t>2017/9/7</a:t>
             </a:fld>
             <a:endParaRPr lang="en-US"/>
           </a:p>
@@ -2285,7 +2303,8 @@
           <a:p>
             <a:fld id="{7AFEEF8D-E39D-4577-A10D-FE257D70D681}" type="slidenum">
               <a:rPr lang="en-US" smtClean="0"/>
-              <a:t>‹#›</a:t>
+              <a:pPr/>
+              <a:t>&lt;#&gt;</a:t>
             </a:fld>
             <a:endParaRPr lang="en-US"/>
           </a:p>
@@ -2294,7 +2313,7 @@
     </p:spTree>
     <p:extLst>
       <p:ext uri="{BB962C8B-B14F-4D97-AF65-F5344CB8AC3E}">
-        <p14:creationId xmlns:p14="http://schemas.microsoft.com/office/powerpoint/2010/main" val="97170474"/>
+        <p14:creationId xmlns:p14="http://schemas.microsoft.com/office/powerpoint/2010/main" xmlns="" val="97170474"/>
       </p:ext>
     </p:extLst>
   </p:cSld>
@@ -2539,7 +2558,8 @@
           <a:p>
             <a:fld id="{DB27FDD1-A854-4E77-87AE-11CFF61A4141}" type="datetime1">
               <a:rPr lang="ja-JP" altLang="en-US" smtClean="0"/>
-              <a:t>2017/9/6</a:t>
+              <a:pPr/>
+              <a:t>2017/9/7</a:t>
             </a:fld>
             <a:endParaRPr lang="en-US"/>
           </a:p>
@@ -2585,7 +2605,8 @@
           <a:p>
             <a:fld id="{7AFEEF8D-E39D-4577-A10D-FE257D70D681}" type="slidenum">
               <a:rPr lang="en-US" smtClean="0"/>
-              <a:t>‹#›</a:t>
+              <a:pPr/>
+              <a:t>&lt;#&gt;</a:t>
             </a:fld>
             <a:endParaRPr lang="en-US"/>
           </a:p>
@@ -2594,7 +2615,7 @@
     </p:spTree>
     <p:extLst>
       <p:ext uri="{BB962C8B-B14F-4D97-AF65-F5344CB8AC3E}">
-        <p14:creationId xmlns:p14="http://schemas.microsoft.com/office/powerpoint/2010/main" val="4171137592"/>
+        <p14:creationId xmlns:p14="http://schemas.microsoft.com/office/powerpoint/2010/main" xmlns="" val="4171137592"/>
       </p:ext>
     </p:extLst>
   </p:cSld>
@@ -2974,7 +2995,8 @@
           <a:p>
             <a:fld id="{ED3B12DF-9148-4CDB-B3FF-87BCD22D46F2}" type="datetime1">
               <a:rPr lang="ja-JP" altLang="en-US" smtClean="0"/>
-              <a:t>2017/9/6</a:t>
+              <a:pPr/>
+              <a:t>2017/9/7</a:t>
             </a:fld>
             <a:endParaRPr lang="en-US"/>
           </a:p>
@@ -3020,7 +3042,8 @@
           <a:p>
             <a:fld id="{7AFEEF8D-E39D-4577-A10D-FE257D70D681}" type="slidenum">
               <a:rPr lang="en-US" smtClean="0"/>
-              <a:t>‹#›</a:t>
+              <a:pPr/>
+              <a:t>&lt;#&gt;</a:t>
             </a:fld>
             <a:endParaRPr lang="en-US"/>
           </a:p>
@@ -3029,7 +3052,7 @@
     </p:spTree>
     <p:extLst>
       <p:ext uri="{BB962C8B-B14F-4D97-AF65-F5344CB8AC3E}">
-        <p14:creationId xmlns:p14="http://schemas.microsoft.com/office/powerpoint/2010/main" val="2618420097"/>
+        <p14:creationId xmlns:p14="http://schemas.microsoft.com/office/powerpoint/2010/main" xmlns="" val="2618420097"/>
       </p:ext>
     </p:extLst>
   </p:cSld>
@@ -3096,7 +3119,8 @@
           <a:p>
             <a:fld id="{BA9CC0B9-BFA8-44C1-8679-7A9973CC2715}" type="datetime1">
               <a:rPr lang="ja-JP" altLang="en-US" smtClean="0"/>
-              <a:t>2017/9/6</a:t>
+              <a:pPr/>
+              <a:t>2017/9/7</a:t>
             </a:fld>
             <a:endParaRPr lang="en-US"/>
           </a:p>
@@ -3142,7 +3166,8 @@
           <a:p>
             <a:fld id="{7AFEEF8D-E39D-4577-A10D-FE257D70D681}" type="slidenum">
               <a:rPr lang="en-US" smtClean="0"/>
-              <a:t>‹#›</a:t>
+              <a:pPr/>
+              <a:t>&lt;#&gt;</a:t>
             </a:fld>
             <a:endParaRPr lang="en-US"/>
           </a:p>
@@ -3151,7 +3176,7 @@
     </p:spTree>
     <p:extLst>
       <p:ext uri="{BB962C8B-B14F-4D97-AF65-F5344CB8AC3E}">
-        <p14:creationId xmlns:p14="http://schemas.microsoft.com/office/powerpoint/2010/main" val="3622477797"/>
+        <p14:creationId xmlns:p14="http://schemas.microsoft.com/office/powerpoint/2010/main" xmlns="" val="3622477797"/>
       </p:ext>
     </p:extLst>
   </p:cSld>
@@ -3195,7 +3220,8 @@
           <a:p>
             <a:fld id="{C2524E24-ED89-4CD5-AB0F-88BC00C185A7}" type="datetime1">
               <a:rPr lang="ja-JP" altLang="en-US" smtClean="0"/>
-              <a:t>2017/9/6</a:t>
+              <a:pPr/>
+              <a:t>2017/9/7</a:t>
             </a:fld>
             <a:endParaRPr lang="en-US"/>
           </a:p>
@@ -3241,7 +3267,8 @@
           <a:p>
             <a:fld id="{7AFEEF8D-E39D-4577-A10D-FE257D70D681}" type="slidenum">
               <a:rPr lang="en-US" smtClean="0"/>
-              <a:t>‹#›</a:t>
+              <a:pPr/>
+              <a:t>&lt;#&gt;</a:t>
             </a:fld>
             <a:endParaRPr lang="en-US"/>
           </a:p>
@@ -3250,7 +3277,7 @@
     </p:spTree>
     <p:extLst>
       <p:ext uri="{BB962C8B-B14F-4D97-AF65-F5344CB8AC3E}">
-        <p14:creationId xmlns:p14="http://schemas.microsoft.com/office/powerpoint/2010/main" val="3711810417"/>
+        <p14:creationId xmlns:p14="http://schemas.microsoft.com/office/powerpoint/2010/main" xmlns="" val="3711810417"/>
       </p:ext>
     </p:extLst>
   </p:cSld>
@@ -3508,7 +3535,8 @@
           <a:p>
             <a:fld id="{E0C64EF0-E0AE-4186-9D1E-1E0436E22A81}" type="datetime1">
               <a:rPr lang="ja-JP" altLang="en-US" smtClean="0"/>
-              <a:t>2017/9/6</a:t>
+              <a:pPr/>
+              <a:t>2017/9/7</a:t>
             </a:fld>
             <a:endParaRPr lang="en-US"/>
           </a:p>
@@ -3554,7 +3582,8 @@
           <a:p>
             <a:fld id="{7AFEEF8D-E39D-4577-A10D-FE257D70D681}" type="slidenum">
               <a:rPr lang="en-US" smtClean="0"/>
-              <a:t>‹#›</a:t>
+              <a:pPr/>
+              <a:t>&lt;#&gt;</a:t>
             </a:fld>
             <a:endParaRPr lang="en-US"/>
           </a:p>
@@ -3563,7 +3592,7 @@
     </p:spTree>
     <p:extLst>
       <p:ext uri="{BB962C8B-B14F-4D97-AF65-F5344CB8AC3E}">
-        <p14:creationId xmlns:p14="http://schemas.microsoft.com/office/powerpoint/2010/main" val="1505247911"/>
+        <p14:creationId xmlns:p14="http://schemas.microsoft.com/office/powerpoint/2010/main" xmlns="" val="1505247911"/>
       </p:ext>
     </p:extLst>
   </p:cSld>
@@ -3769,7 +3798,8 @@
           <a:p>
             <a:fld id="{D9A30DDF-D3C1-4FC7-8F40-04E5A104C626}" type="datetime1">
               <a:rPr lang="ja-JP" altLang="en-US" smtClean="0"/>
-              <a:t>2017/9/6</a:t>
+              <a:pPr/>
+              <a:t>2017/9/7</a:t>
             </a:fld>
             <a:endParaRPr lang="en-US"/>
           </a:p>
@@ -3815,7 +3845,8 @@
           <a:p>
             <a:fld id="{7AFEEF8D-E39D-4577-A10D-FE257D70D681}" type="slidenum">
               <a:rPr lang="en-US" smtClean="0"/>
-              <a:t>‹#›</a:t>
+              <a:pPr/>
+              <a:t>&lt;#&gt;</a:t>
             </a:fld>
             <a:endParaRPr lang="en-US"/>
           </a:p>
@@ -3824,7 +3855,7 @@
     </p:spTree>
     <p:extLst>
       <p:ext uri="{BB962C8B-B14F-4D97-AF65-F5344CB8AC3E}">
-        <p14:creationId xmlns:p14="http://schemas.microsoft.com/office/powerpoint/2010/main" val="1781174602"/>
+        <p14:creationId xmlns:p14="http://schemas.microsoft.com/office/powerpoint/2010/main" xmlns="" val="1781174602"/>
       </p:ext>
     </p:extLst>
   </p:cSld>
@@ -4030,7 +4061,8 @@
           <a:p>
             <a:fld id="{4266AC3D-5B59-4BCC-A744-03A7E948BF51}" type="datetime1">
               <a:rPr lang="ja-JP" altLang="en-US" smtClean="0"/>
-              <a:t>2017/9/6</a:t>
+              <a:pPr/>
+              <a:t>2017/9/7</a:t>
             </a:fld>
             <a:endParaRPr lang="en-US"/>
           </a:p>
@@ -4119,7 +4151,7 @@
             <a:fld id="{7AFEEF8D-E39D-4577-A10D-FE257D70D681}" type="slidenum">
               <a:rPr lang="en-US" smtClean="0"/>
               <a:pPr/>
-              <a:t>‹#›</a:t>
+              <a:t>&lt;#&gt;</a:t>
             </a:fld>
             <a:endParaRPr lang="en-US"/>
           </a:p>
@@ -4128,7 +4160,7 @@
     </p:spTree>
     <p:extLst>
       <p:ext uri="{BB962C8B-B14F-4D97-AF65-F5344CB8AC3E}">
-        <p14:creationId xmlns:p14="http://schemas.microsoft.com/office/powerpoint/2010/main" val="590789306"/>
+        <p14:creationId xmlns:p14="http://schemas.microsoft.com/office/powerpoint/2010/main" xmlns="" val="590789306"/>
       </p:ext>
     </p:extLst>
   </p:cSld>
@@ -4544,7 +4576,7 @@
     </p:spTree>
     <p:extLst>
       <p:ext uri="{BB962C8B-B14F-4D97-AF65-F5344CB8AC3E}">
-        <p14:creationId xmlns:p14="http://schemas.microsoft.com/office/powerpoint/2010/main" val="119737772"/>
+        <p14:creationId xmlns:p14="http://schemas.microsoft.com/office/powerpoint/2010/main" xmlns="" val="119737772"/>
       </p:ext>
     </p:extLst>
   </p:cSld>
@@ -4768,7 +4800,8 @@
           <a:p>
             <a:fld id="{D87E5BF0-0E7E-4249-BA95-E061D75E835D}" type="datetime1">
               <a:rPr lang="ja-JP" altLang="en-US" smtClean="0"/>
-              <a:t>2017/9/6</a:t>
+              <a:pPr/>
+              <a:t>2017/9/7</a:t>
             </a:fld>
             <a:endParaRPr lang="en-US"/>
           </a:p>
@@ -4814,6 +4847,7 @@
           <a:p>
             <a:fld id="{7AFEEF8D-E39D-4577-A10D-FE257D70D681}" type="slidenum">
               <a:rPr lang="en-US" smtClean="0"/>
+              <a:pPr/>
               <a:t>2</a:t>
             </a:fld>
             <a:endParaRPr lang="en-US"/>
@@ -4841,7 +4875,9 @@
           </a:ln>
           <a:effectLst>
             <a:glow rad="25400">
-              <a:schemeClr val="tx1"/>
+              <a:schemeClr val="bg1">
+                <a:lumMod val="50000"/>
+              </a:schemeClr>
             </a:glow>
           </a:effectLst>
         </p:spPr>
@@ -4863,7 +4899,7 @@
     </p:spTree>
     <p:extLst>
       <p:ext uri="{BB962C8B-B14F-4D97-AF65-F5344CB8AC3E}">
-        <p14:creationId xmlns:p14="http://schemas.microsoft.com/office/powerpoint/2010/main" val="971907861"/>
+        <p14:creationId xmlns:p14="http://schemas.microsoft.com/office/powerpoint/2010/main" xmlns="" val="971907861"/>
       </p:ext>
     </p:extLst>
   </p:cSld>
@@ -5131,7 +5167,8 @@
           <a:p>
             <a:fld id="{DC95BC15-6EA2-47B5-868F-9C047239C9C9}" type="datetime1">
               <a:rPr lang="ja-JP" altLang="en-US" smtClean="0"/>
-              <a:t>2017/9/6</a:t>
+              <a:pPr/>
+              <a:t>2017/9/7</a:t>
             </a:fld>
             <a:endParaRPr lang="en-US"/>
           </a:p>
@@ -5177,6 +5214,7 @@
           <a:p>
             <a:fld id="{7AFEEF8D-E39D-4577-A10D-FE257D70D681}" type="slidenum">
               <a:rPr lang="en-US" smtClean="0"/>
+              <a:pPr/>
               <a:t>3</a:t>
             </a:fld>
             <a:endParaRPr lang="en-US"/>
@@ -5185,7 +5223,7 @@
       </p:sp>
       <p:cxnSp>
         <p:nvCxnSpPr>
-          <p:cNvPr id="7" name="直線コネクタ 6"/>
+          <p:cNvPr id="8" name="直線コネクタ 7"/>
           <p:cNvCxnSpPr/>
           <p:nvPr/>
         </p:nvCxnSpPr>
@@ -5204,7 +5242,9 @@
           </a:ln>
           <a:effectLst>
             <a:glow rad="25400">
-              <a:schemeClr val="tx1"/>
+              <a:schemeClr val="bg1">
+                <a:lumMod val="50000"/>
+              </a:schemeClr>
             </a:glow>
           </a:effectLst>
         </p:spPr>
@@ -5226,7 +5266,7 @@
     </p:spTree>
     <p:extLst>
       <p:ext uri="{BB962C8B-B14F-4D97-AF65-F5344CB8AC3E}">
-        <p14:creationId xmlns:p14="http://schemas.microsoft.com/office/powerpoint/2010/main" val="1829988106"/>
+        <p14:creationId xmlns:p14="http://schemas.microsoft.com/office/powerpoint/2010/main" xmlns="" val="1829988106"/>
       </p:ext>
     </p:extLst>
   </p:cSld>
@@ -5474,7 +5514,8 @@
           <a:p>
             <a:fld id="{C08D4559-3891-47C1-8E5B-4793015CC976}" type="datetime1">
               <a:rPr lang="ja-JP" altLang="en-US" smtClean="0"/>
-              <a:t>2017/9/6</a:t>
+              <a:pPr/>
+              <a:t>2017/9/7</a:t>
             </a:fld>
             <a:endParaRPr lang="en-US"/>
           </a:p>
@@ -5520,6 +5561,7 @@
           <a:p>
             <a:fld id="{7AFEEF8D-E39D-4577-A10D-FE257D70D681}" type="slidenum">
               <a:rPr lang="en-US" smtClean="0"/>
+              <a:pPr/>
               <a:t>4</a:t>
             </a:fld>
             <a:endParaRPr lang="en-US"/>
@@ -5528,7 +5570,7 @@
       </p:sp>
       <p:cxnSp>
         <p:nvCxnSpPr>
-          <p:cNvPr id="7" name="直線コネクタ 6"/>
+          <p:cNvPr id="8" name="直線コネクタ 7"/>
           <p:cNvCxnSpPr/>
           <p:nvPr/>
         </p:nvCxnSpPr>
@@ -5547,7 +5589,9 @@
           </a:ln>
           <a:effectLst>
             <a:glow rad="25400">
-              <a:schemeClr val="tx1"/>
+              <a:schemeClr val="bg1">
+                <a:lumMod val="50000"/>
+              </a:schemeClr>
             </a:glow>
           </a:effectLst>
         </p:spPr>
@@ -5569,7 +5613,7 @@
     </p:spTree>
     <p:extLst>
       <p:ext uri="{BB962C8B-B14F-4D97-AF65-F5344CB8AC3E}">
-        <p14:creationId xmlns:p14="http://schemas.microsoft.com/office/powerpoint/2010/main" val="691024488"/>
+        <p14:creationId xmlns:p14="http://schemas.microsoft.com/office/powerpoint/2010/main" xmlns="" val="691024488"/>
       </p:ext>
     </p:extLst>
   </p:cSld>
@@ -5914,7 +5958,8 @@
           <a:p>
             <a:fld id="{BB3EAC1A-13D4-49FF-9514-A1177CA4EDE6}" type="datetime1">
               <a:rPr lang="ja-JP" altLang="en-US" smtClean="0"/>
-              <a:t>2017/9/6</a:t>
+              <a:pPr/>
+              <a:t>2017/9/7</a:t>
             </a:fld>
             <a:endParaRPr lang="en-US"/>
           </a:p>
@@ -5960,6 +6005,7 @@
           <a:p>
             <a:fld id="{7AFEEF8D-E39D-4577-A10D-FE257D70D681}" type="slidenum">
               <a:rPr lang="en-US" smtClean="0"/>
+              <a:pPr/>
               <a:t>5</a:t>
             </a:fld>
             <a:endParaRPr lang="en-US"/>
@@ -5968,7 +6014,7 @@
       </p:sp>
       <p:cxnSp>
         <p:nvCxnSpPr>
-          <p:cNvPr id="7" name="直線コネクタ 6"/>
+          <p:cNvPr id="8" name="直線コネクタ 7"/>
           <p:cNvCxnSpPr/>
           <p:nvPr/>
         </p:nvCxnSpPr>
@@ -5987,7 +6033,9 @@
           </a:ln>
           <a:effectLst>
             <a:glow rad="25400">
-              <a:schemeClr val="tx1"/>
+              <a:schemeClr val="bg1">
+                <a:lumMod val="50000"/>
+              </a:schemeClr>
             </a:glow>
           </a:effectLst>
         </p:spPr>
@@ -6009,7 +6057,7 @@
     </p:spTree>
     <p:extLst>
       <p:ext uri="{BB962C8B-B14F-4D97-AF65-F5344CB8AC3E}">
-        <p14:creationId xmlns:p14="http://schemas.microsoft.com/office/powerpoint/2010/main" val="4046568148"/>
+        <p14:creationId xmlns:p14="http://schemas.microsoft.com/office/powerpoint/2010/main" xmlns="" val="4046568148"/>
       </p:ext>
     </p:extLst>
   </p:cSld>
@@ -6168,17 +6216,7 @@
                   </a:solidFill>
                 </a:ln>
               </a:rPr>
-              <a:t>と</a:t>
-            </a:r>
-            <a:r>
-              <a:rPr lang="ja-JP" altLang="en-US" sz="3200" dirty="0" smtClean="0">
-                <a:ln w="6350">
-                  <a:solidFill>
-                    <a:sysClr val="windowText" lastClr="000000"/>
-                  </a:solidFill>
-                </a:ln>
-              </a:rPr>
-              <a:t>いうのは未定</a:t>
+              <a:t>というのは未定</a:t>
             </a:r>
             <a:endParaRPr lang="en-US" altLang="ja-JP" sz="3200" dirty="0">
               <a:ln w="6350">
@@ -6312,7 +6350,8 @@
           <a:p>
             <a:fld id="{BB3EAC1A-13D4-49FF-9514-A1177CA4EDE6}" type="datetime1">
               <a:rPr lang="ja-JP" altLang="en-US" smtClean="0"/>
-              <a:t>2017/9/6</a:t>
+              <a:pPr/>
+              <a:t>2017/9/7</a:t>
             </a:fld>
             <a:endParaRPr lang="en-US"/>
           </a:p>
@@ -6358,6 +6397,7 @@
           <a:p>
             <a:fld id="{7AFEEF8D-E39D-4577-A10D-FE257D70D681}" type="slidenum">
               <a:rPr lang="en-US" smtClean="0"/>
+              <a:pPr/>
               <a:t>6</a:t>
             </a:fld>
             <a:endParaRPr lang="en-US"/>
@@ -6366,7 +6406,7 @@
       </p:sp>
       <p:cxnSp>
         <p:nvCxnSpPr>
-          <p:cNvPr id="7" name="直線コネクタ 6"/>
+          <p:cNvPr id="8" name="直線コネクタ 7"/>
           <p:cNvCxnSpPr/>
           <p:nvPr/>
         </p:nvCxnSpPr>
@@ -6385,7 +6425,9 @@
           </a:ln>
           <a:effectLst>
             <a:glow rad="25400">
-              <a:schemeClr val="tx1"/>
+              <a:schemeClr val="bg1">
+                <a:lumMod val="50000"/>
+              </a:schemeClr>
             </a:glow>
           </a:effectLst>
         </p:spPr>
@@ -6407,7 +6449,7 @@
     </p:spTree>
     <p:extLst>
       <p:ext uri="{BB962C8B-B14F-4D97-AF65-F5344CB8AC3E}">
-        <p14:creationId xmlns:p14="http://schemas.microsoft.com/office/powerpoint/2010/main" val="2868018514"/>
+        <p14:creationId xmlns:p14="http://schemas.microsoft.com/office/powerpoint/2010/main" xmlns="" val="2868018514"/>
       </p:ext>
     </p:extLst>
   </p:cSld>
@@ -6498,7 +6540,8 @@
           <a:p>
             <a:fld id="{7A2B03DA-23E3-4443-8095-EC8C0DDD4E56}" type="datetime1">
               <a:rPr lang="ja-JP" altLang="en-US" smtClean="0"/>
-              <a:t>2017/9/6</a:t>
+              <a:pPr/>
+              <a:t>2017/9/7</a:t>
             </a:fld>
             <a:endParaRPr lang="en-US"/>
           </a:p>
@@ -6544,6 +6587,7 @@
           <a:p>
             <a:fld id="{7AFEEF8D-E39D-4577-A10D-FE257D70D681}" type="slidenum">
               <a:rPr lang="en-US" smtClean="0"/>
+              <a:pPr/>
               <a:t>7</a:t>
             </a:fld>
             <a:endParaRPr lang="en-US"/>
@@ -6606,7 +6650,7 @@
       </p:sp>
       <p:cxnSp>
         <p:nvCxnSpPr>
-          <p:cNvPr id="8" name="直線コネクタ 7"/>
+          <p:cNvPr id="9" name="直線コネクタ 8"/>
           <p:cNvCxnSpPr/>
           <p:nvPr/>
         </p:nvCxnSpPr>
@@ -6625,7 +6669,9 @@
           </a:ln>
           <a:effectLst>
             <a:glow rad="25400">
-              <a:schemeClr val="tx1"/>
+              <a:schemeClr val="bg1">
+                <a:lumMod val="50000"/>
+              </a:schemeClr>
             </a:glow>
           </a:effectLst>
         </p:spPr>
@@ -6647,7 +6693,7 @@
     </p:spTree>
     <p:extLst>
       <p:ext uri="{BB962C8B-B14F-4D97-AF65-F5344CB8AC3E}">
-        <p14:creationId xmlns:p14="http://schemas.microsoft.com/office/powerpoint/2010/main" val="3537650634"/>
+        <p14:creationId xmlns:p14="http://schemas.microsoft.com/office/powerpoint/2010/main" xmlns="" val="3537650634"/>
       </p:ext>
     </p:extLst>
   </p:cSld>
@@ -6698,7 +6744,8 @@
           <a:p>
             <a:fld id="{7A2B03DA-23E3-4443-8095-EC8C0DDD4E56}" type="datetime1">
               <a:rPr lang="ja-JP" altLang="en-US" smtClean="0"/>
-              <a:t>2017/9/6</a:t>
+              <a:pPr/>
+              <a:t>2017/9/7</a:t>
             </a:fld>
             <a:endParaRPr lang="en-US"/>
           </a:p>
@@ -6744,6 +6791,7 @@
           <a:p>
             <a:fld id="{7AFEEF8D-E39D-4577-A10D-FE257D70D681}" type="slidenum">
               <a:rPr lang="en-US" smtClean="0"/>
+              <a:pPr/>
               <a:t>8</a:t>
             </a:fld>
             <a:endParaRPr lang="en-US"/>
@@ -6819,23 +6867,7 @@
                 <a:ea typeface="メイリオ" panose="020B0604030504040204" pitchFamily="50" charset="-128"/>
                 <a:cs typeface="メイリオ" panose="020B0604030504040204" pitchFamily="50" charset="-128"/>
               </a:rPr>
-              <a:t>ありがとう</a:t>
-            </a:r>
-            <a:r>
-              <a:rPr kumimoji="1" lang="ja-JP" altLang="en-US" sz="5400" dirty="0" smtClean="0">
-                <a:ln w="6350">
-                  <a:solidFill>
-                    <a:sysClr val="windowText" lastClr="000000"/>
-                  </a:solidFill>
-                </a:ln>
-                <a:solidFill>
-                  <a:schemeClr val="bg1"/>
-                </a:solidFill>
-                <a:latin typeface="メイリオ" panose="020B0604030504040204" pitchFamily="50" charset="-128"/>
-                <a:ea typeface="メイリオ" panose="020B0604030504040204" pitchFamily="50" charset="-128"/>
-                <a:cs typeface="メイリオ" panose="020B0604030504040204" pitchFamily="50" charset="-128"/>
-              </a:rPr>
-              <a:t>ございました！</a:t>
+              <a:t>ありがとうございました！</a:t>
             </a:r>
             <a:endParaRPr kumimoji="1" lang="ja-JP" altLang="en-US" sz="5400" dirty="0">
               <a:ln w="6350">
@@ -6856,7 +6888,7 @@
     </p:spTree>
     <p:extLst>
       <p:ext uri="{BB962C8B-B14F-4D97-AF65-F5344CB8AC3E}">
-        <p14:creationId xmlns:p14="http://schemas.microsoft.com/office/powerpoint/2010/main" val="838012715"/>
+        <p14:creationId xmlns:p14="http://schemas.microsoft.com/office/powerpoint/2010/main" xmlns="" val="838012715"/>
       </p:ext>
     </p:extLst>
   </p:cSld>
@@ -6924,7 +6956,7 @@
     </a:clrScheme>
     <a:fontScheme name="Office">
       <a:majorFont>
-        <a:latin typeface="Calibri Light" panose="020F0302020204030204"/>
+        <a:latin typeface="Calibri Light"/>
         <a:ea typeface=""/>
         <a:cs typeface=""/>
         <a:font script="Jpan" typeface="ＭＳ Ｐゴシック"/>
@@ -6959,7 +6991,7 @@
         <a:font script="Geor" typeface="Sylfaen"/>
       </a:majorFont>
       <a:minorFont>
-        <a:latin typeface="Calibri" panose="020F0502020204030204"/>
+        <a:latin typeface="Calibri"/>
         <a:ea typeface=""/>
         <a:cs typeface=""/>
         <a:font script="Jpan" typeface="ＭＳ Ｐゴシック"/>
@@ -7157,7 +7189,7 @@
   <a:extraClrSchemeLst/>
   <a:extLst>
     <a:ext uri="{05A4C25C-085E-4340-85A3-A5531E510DB2}">
-      <thm15:themeFamily xmlns:thm15="http://schemas.microsoft.com/office/thememl/2012/main" name="aqua" id="{2D0F032C-2B60-4DB1-A0B6-B5A58CB9BFE4}" vid="{DA7461F7-E693-4722-95B5-E2970A802A29}"/>
+      <thm15:themeFamily xmlns:thm15="http://schemas.microsoft.com/office/thememl/2012/main" xmlns="" name="aqua" id="{2D0F032C-2B60-4DB1-A0B6-B5A58CB9BFE4}" vid="{DA7461F7-E693-4722-95B5-E2970A802A29}"/>
     </a:ext>
   </a:extLst>
 </a:theme>
@@ -7206,7 +7238,7 @@
     </a:clrScheme>
     <a:fontScheme name="Office">
       <a:majorFont>
-        <a:latin typeface="Calibri Light" panose="020F0302020204030204"/>
+        <a:latin typeface="Calibri Light"/>
         <a:ea typeface=""/>
         <a:cs typeface=""/>
         <a:font script="Jpan" typeface="ＭＳ Ｐゴシック"/>
@@ -7241,7 +7273,7 @@
         <a:font script="Geor" typeface="Sylfaen"/>
       </a:majorFont>
       <a:minorFont>
-        <a:latin typeface="Calibri" panose="020F0502020204030204"/>
+        <a:latin typeface="Calibri"/>
         <a:ea typeface=""/>
         <a:cs typeface=""/>
         <a:font script="Jpan" typeface="ＭＳ Ｐゴシック"/>
@@ -7418,7 +7450,7 @@
   <a:extraClrSchemeLst/>
   <a:extLst>
     <a:ext uri="{05A4C25C-085E-4340-85A3-A5531E510DB2}">
-      <thm15:themeFamily xmlns:thm15="http://schemas.microsoft.com/office/thememl/2012/main" name="Office Theme" id="{62F939B6-93AF-4DB8-9C6B-D6C7DFDC589F}" vid="{4A3C46E8-61CC-4603-A589-7422A47A8E4A}"/>
+      <thm15:themeFamily xmlns:thm15="http://schemas.microsoft.com/office/thememl/2012/main" xmlns="" name="Office Theme" id="{62F939B6-93AF-4DB8-9C6B-D6C7DFDC589F}" vid="{4A3C46E8-61CC-4603-A589-7422A47A8E4A}"/>
     </a:ext>
   </a:extLst>
 </a:theme>
